--- a/IMDB 5000 Movies.pptx
+++ b/IMDB 5000 Movies.pptx
@@ -6,11 +6,10 @@
   </p:sldMasterIdLst>
   <p:sldIdLst>
     <p:sldId id="256" r:id="rId2"/>
-    <p:sldId id="257" r:id="rId3"/>
-    <p:sldId id="258" r:id="rId4"/>
-    <p:sldId id="259" r:id="rId5"/>
-    <p:sldId id="260" r:id="rId6"/>
-    <p:sldId id="261" r:id="rId7"/>
+    <p:sldId id="258" r:id="rId3"/>
+    <p:sldId id="259" r:id="rId4"/>
+    <p:sldId id="260" r:id="rId5"/>
+    <p:sldId id="261" r:id="rId6"/>
   </p:sldIdLst>
   <p:sldSz cx="12192000" cy="6858000"/>
   <p:notesSz cx="6858000" cy="9144000"/>
@@ -109,6 +108,11 @@
       </a:defRPr>
     </a:lvl9pPr>
   </p:defaultTextStyle>
+  <p:extLst>
+    <p:ext uri="{EFAFB233-063F-42B5-8137-9DF3F51BA10A}">
+      <p15:sldGuideLst xmlns:p15="http://schemas.microsoft.com/office/powerpoint/2012/main"/>
+    </p:ext>
+  </p:extLst>
 </p:presentation>
 </file>
 
@@ -6165,7 +6169,7 @@
           <a:p>
             <a:r>
               <a:rPr lang="en-US" dirty="0"/>
-              <a:t>IMDB 5000 Movies</a:t>
+              <a:t>IMDB 5000 Movies DATABASE</a:t>
             </a:r>
           </a:p>
         </p:txBody>
@@ -6233,6 +6237,28 @@
 <file path=ppt/slides/slide2.xml><?xml version="1.0" encoding="utf-8"?>
 <p:sld xmlns:a="http://schemas.openxmlformats.org/drawingml/2006/main" xmlns:r="http://schemas.openxmlformats.org/officeDocument/2006/relationships" xmlns:p="http://schemas.openxmlformats.org/presentationml/2006/main">
   <p:cSld>
+    <p:bg>
+      <p:bgPr>
+        <a:gradFill rotWithShape="1">
+          <a:gsLst>
+            <a:gs pos="0">
+              <a:schemeClr val="bg1">
+                <a:tint val="90000"/>
+                <a:lumMod val="110000"/>
+              </a:schemeClr>
+            </a:gs>
+            <a:gs pos="100000">
+              <a:schemeClr val="bg1">
+                <a:shade val="64000"/>
+                <a:lumMod val="88000"/>
+              </a:schemeClr>
+            </a:gs>
+          </a:gsLst>
+          <a:lin ang="5400000" scaled="0"/>
+        </a:gradFill>
+        <a:effectLst/>
+      </p:bgPr>
+    </p:bg>
     <p:spTree>
       <p:nvGrpSpPr>
         <p:cNvPr id="1" name=""/>
@@ -6247,36 +6273,303 @@
           <a:chExt cx="0" cy="0"/>
         </a:xfrm>
       </p:grpSpPr>
-      <p:sp>
-        <p:nvSpPr>
-          <p:cNvPr id="2" name="Rectangle 1">
+      <p:pic>
+        <p:nvPicPr>
+          <p:cNvPr id="23" name="Picture 2">
             <a:extLst>
               <a:ext uri="{FF2B5EF4-FFF2-40B4-BE49-F238E27FC236}">
-                <a16:creationId xmlns:a16="http://schemas.microsoft.com/office/drawing/2014/main" id="{7E83D327-420F-43B7-8A79-9619CC5F67EB}"/>
+                <a16:creationId xmlns:a16="http://schemas.microsoft.com/office/drawing/2014/main" id="{25496B42-CC46-4183-B481-887CD3E8C725}"/>
+              </a:ext>
+              <a:ext uri="{C183D7F6-B498-43B3-948B-1728B52AA6E4}">
+                <adec:decorative xmlns:adec="http://schemas.microsoft.com/office/drawing/2017/decorative" val="1"/>
               </a:ext>
             </a:extLst>
           </p:cNvPr>
-          <p:cNvSpPr/>
-          <p:nvPr/>
-        </p:nvSpPr>
-        <p:spPr>
-          <a:xfrm>
-            <a:off x="3048000" y="3105835"/>
-            <a:ext cx="6096000" cy="646331"/>
+          <p:cNvPicPr>
+            <a:picLocks noGrp="1" noRot="1" noChangeAspect="1" noMove="1" noResize="1" noEditPoints="1" noAdjustHandles="1" noChangeArrowheads="1" noChangeShapeType="1" noCrop="1"/>
+          </p:cNvPicPr>
+          <p:nvPr>
+            <p:extLst>
+              <p:ext uri="{386F3935-93C4-4BCD-93E2-E3B085C9AB24}">
+                <p16:designElem xmlns:p16="http://schemas.microsoft.com/office/powerpoint/2015/main" val="1"/>
+              </p:ext>
+            </p:extLst>
+          </p:nvPr>
+        </p:nvPicPr>
+        <p:blipFill>
+          <a:blip r:embed="rId2">
+            <a:alphaModFix/>
+            <a:extLst>
+              <a:ext uri="{28A0092B-C50C-407E-A947-70E740481C1C}">
+                <a14:useLocalDpi xmlns:a14="http://schemas.microsoft.com/office/drawing/2010/main" val="0"/>
+              </a:ext>
+            </a:extLst>
+          </a:blip>
+          <a:srcRect/>
+          <a:stretch>
+            <a:fillRect/>
+          </a:stretch>
+        </p:blipFill>
+        <p:spPr bwMode="auto">
+          <a:xfrm>
+            <a:off x="0" y="-1"/>
+            <a:ext cx="12192003" cy="6858001"/>
           </a:xfrm>
           <a:prstGeom prst="rect">
             <a:avLst/>
           </a:prstGeom>
-        </p:spPr>
-        <p:txBody>
-          <a:bodyPr>
-            <a:spAutoFit/>
+          <a:noFill/>
+          <a:extLst>
+            <a:ext uri="{909E8E84-426E-40DD-AFC4-6F175D3DCCD1}">
+              <a14:hiddenFill xmlns:a14="http://schemas.microsoft.com/office/drawing/2010/main">
+                <a:solidFill>
+                  <a:srgbClr val="FFFFFF"/>
+                </a:solidFill>
+              </a14:hiddenFill>
+            </a:ext>
+          </a:extLst>
+        </p:spPr>
+      </p:pic>
+      <p:pic>
+        <p:nvPicPr>
+          <p:cNvPr id="24" name="Picture 12">
+            <a:extLst>
+              <a:ext uri="{FF2B5EF4-FFF2-40B4-BE49-F238E27FC236}">
+                <a16:creationId xmlns:a16="http://schemas.microsoft.com/office/drawing/2014/main" id="{765E2D7E-B7BD-404F-9F71-D6620D37B909}"/>
+              </a:ext>
+              <a:ext uri="{C183D7F6-B498-43B3-948B-1728B52AA6E4}">
+                <adec:decorative xmlns:adec="http://schemas.microsoft.com/office/drawing/2017/decorative" val="1"/>
+              </a:ext>
+            </a:extLst>
+          </p:cNvPr>
+          <p:cNvPicPr>
+            <a:picLocks noGrp="1" noRot="1" noChangeAspect="1" noMove="1" noResize="1" noEditPoints="1" noAdjustHandles="1" noChangeArrowheads="1" noChangeShapeType="1" noCrop="1"/>
+          </p:cNvPicPr>
+          <p:nvPr>
+            <p:extLst>
+              <p:ext uri="{386F3935-93C4-4BCD-93E2-E3B085C9AB24}">
+                <p16:designElem xmlns:p16="http://schemas.microsoft.com/office/powerpoint/2015/main" val="1"/>
+              </p:ext>
+            </p:extLst>
+          </p:nvPr>
+        </p:nvPicPr>
+        <p:blipFill>
+          <a:blip r:embed="rId3">
+            <a:extLst>
+              <a:ext uri="{28A0092B-C50C-407E-A947-70E740481C1C}">
+                <a14:useLocalDpi xmlns:a14="http://schemas.microsoft.com/office/drawing/2010/main" val="0"/>
+              </a:ext>
+            </a:extLst>
+          </a:blip>
+          <a:stretch>
+            <a:fillRect/>
+          </a:stretch>
+        </p:blipFill>
+        <p:spPr>
+          <a:xfrm>
+            <a:off x="0" y="0"/>
+            <a:ext cx="12192000" cy="6858000"/>
+          </a:xfrm>
+          <a:prstGeom prst="rect">
+            <a:avLst/>
+          </a:prstGeom>
+        </p:spPr>
+      </p:pic>
+      <p:sp useBgFill="1">
+        <p:nvSpPr>
+          <p:cNvPr id="25" name="Rectangle 14">
+            <a:extLst>
+              <a:ext uri="{FF2B5EF4-FFF2-40B4-BE49-F238E27FC236}">
+                <a16:creationId xmlns:a16="http://schemas.microsoft.com/office/drawing/2014/main" id="{48FE65CB-EFD8-497D-A30A-093E20EACB05}"/>
+              </a:ext>
+              <a:ext uri="{C183D7F6-B498-43B3-948B-1728B52AA6E4}">
+                <adec:decorative xmlns:adec="http://schemas.microsoft.com/office/drawing/2017/decorative" val="1"/>
+              </a:ext>
+            </a:extLst>
+          </p:cNvPr>
+          <p:cNvSpPr>
+            <a:spLocks noGrp="1" noRot="1" noChangeAspect="1" noMove="1" noResize="1" noEditPoints="1" noAdjustHandles="1" noChangeArrowheads="1" noChangeShapeType="1" noTextEdit="1"/>
+          </p:cNvSpPr>
+          <p:nvPr>
+            <p:extLst>
+              <p:ext uri="{386F3935-93C4-4BCD-93E2-E3B085C9AB24}">
+                <p16:designElem xmlns:p16="http://schemas.microsoft.com/office/powerpoint/2015/main" val="1"/>
+              </p:ext>
+            </p:extLst>
+          </p:nvPr>
+        </p:nvSpPr>
+        <p:spPr>
+          <a:xfrm>
+            <a:off x="0" y="0"/>
+            <a:ext cx="12192000" cy="6858000"/>
+          </a:xfrm>
+          <a:prstGeom prst="rect">
+            <a:avLst/>
+          </a:prstGeom>
+          <a:ln>
+            <a:noFill/>
+          </a:ln>
+        </p:spPr>
+        <p:style>
+          <a:lnRef idx="2">
+            <a:schemeClr val="accent1">
+              <a:shade val="50000"/>
+            </a:schemeClr>
+          </a:lnRef>
+          <a:fillRef idx="1">
+            <a:schemeClr val="accent1"/>
+          </a:fillRef>
+          <a:effectRef idx="0">
+            <a:schemeClr val="accent1"/>
+          </a:effectRef>
+          <a:fontRef idx="minor">
+            <a:schemeClr val="lt1"/>
+          </a:fontRef>
+        </p:style>
+        <p:txBody>
+          <a:bodyPr rtlCol="0" anchor="ctr"/>
+          <a:lstStyle/>
+          <a:p>
+            <a:pPr algn="ctr"/>
+            <a:endParaRPr lang="en-US"/>
+          </a:p>
+        </p:txBody>
+      </p:sp>
+      <p:pic>
+        <p:nvPicPr>
+          <p:cNvPr id="6" name="Content Placeholder 5">
+            <a:extLst>
+              <a:ext uri="{FF2B5EF4-FFF2-40B4-BE49-F238E27FC236}">
+                <a16:creationId xmlns:a16="http://schemas.microsoft.com/office/drawing/2014/main" id="{0B296951-9C91-454C-9552-106CD8F8BDC4}"/>
+              </a:ext>
+            </a:extLst>
+          </p:cNvPr>
+          <p:cNvPicPr>
+            <a:picLocks noGrp="1" noChangeAspect="1"/>
+          </p:cNvPicPr>
+          <p:nvPr>
+            <p:ph sz="quarter" idx="13"/>
+          </p:nvPr>
+        </p:nvPicPr>
+        <p:blipFill>
+          <a:blip r:embed="rId4">
+            <a:extLst>
+              <a:ext uri="{28A0092B-C50C-407E-A947-70E740481C1C}">
+                <a14:useLocalDpi xmlns:a14="http://schemas.microsoft.com/office/drawing/2010/main" val="0"/>
+              </a:ext>
+            </a:extLst>
+          </a:blip>
+          <a:stretch>
+            <a:fillRect/>
+          </a:stretch>
+        </p:blipFill>
+        <p:spPr>
+          <a:xfrm>
+            <a:off x="2459013" y="1162719"/>
+            <a:ext cx="6909479" cy="5182109"/>
+          </a:xfrm>
+          <a:prstGeom prst="roundRect">
+            <a:avLst>
+              <a:gd name="adj" fmla="val 2981"/>
+            </a:avLst>
+          </a:prstGeom>
+          <a:ln w="82550" cap="sq">
+            <a:solidFill>
+              <a:srgbClr val="EAEAEA"/>
+            </a:solidFill>
+            <a:miter lim="800000"/>
+          </a:ln>
+          <a:effectLst/>
+          <a:scene3d>
+            <a:camera prst="orthographicFront"/>
+            <a:lightRig rig="threePt" dir="t">
+              <a:rot lat="0" lon="0" rev="2700000"/>
+            </a:lightRig>
+          </a:scene3d>
+          <a:sp3d contourW="6350">
+            <a:bevelT h="38100"/>
+            <a:contourClr>
+              <a:srgbClr val="C0C0C0"/>
+            </a:contourClr>
+          </a:sp3d>
+        </p:spPr>
+      </p:pic>
+      <p:pic>
+        <p:nvPicPr>
+          <p:cNvPr id="26" name="Picture 16">
+            <a:extLst>
+              <a:ext uri="{FF2B5EF4-FFF2-40B4-BE49-F238E27FC236}">
+                <a16:creationId xmlns:a16="http://schemas.microsoft.com/office/drawing/2014/main" id="{E3265C2A-0A58-43AD-A406-8F4478E28758}"/>
+              </a:ext>
+              <a:ext uri="{C183D7F6-B498-43B3-948B-1728B52AA6E4}">
+                <adec:decorative xmlns:adec="http://schemas.microsoft.com/office/drawing/2017/decorative" val="1"/>
+              </a:ext>
+            </a:extLst>
+          </p:cNvPr>
+          <p:cNvPicPr>
+            <a:picLocks noGrp="1" noRot="1" noChangeAspect="1" noMove="1" noResize="1" noEditPoints="1" noAdjustHandles="1" noChangeArrowheads="1" noChangeShapeType="1" noCrop="1"/>
+          </p:cNvPicPr>
+          <p:nvPr>
+            <p:extLst>
+              <p:ext uri="{386F3935-93C4-4BCD-93E2-E3B085C9AB24}">
+                <p16:designElem xmlns:p16="http://schemas.microsoft.com/office/powerpoint/2015/main" val="1"/>
+              </p:ext>
+            </p:extLst>
+          </p:nvPr>
+        </p:nvPicPr>
+        <p:blipFill>
+          <a:blip r:embed="rId3">
+            <a:extLst>
+              <a:ext uri="{28A0092B-C50C-407E-A947-70E740481C1C}">
+                <a14:useLocalDpi xmlns:a14="http://schemas.microsoft.com/office/drawing/2010/main" val="0"/>
+              </a:ext>
+            </a:extLst>
+          </a:blip>
+          <a:stretch>
+            <a:fillRect/>
+          </a:stretch>
+        </p:blipFill>
+        <p:spPr>
+          <a:xfrm>
+            <a:off x="0" y="0"/>
+            <a:ext cx="12192000" cy="6858000"/>
+          </a:xfrm>
+          <a:prstGeom prst="rect">
+            <a:avLst/>
+          </a:prstGeom>
+        </p:spPr>
+      </p:pic>
+      <p:sp>
+        <p:nvSpPr>
+          <p:cNvPr id="2" name="Title 1">
+            <a:extLst>
+              <a:ext uri="{FF2B5EF4-FFF2-40B4-BE49-F238E27FC236}">
+                <a16:creationId xmlns:a16="http://schemas.microsoft.com/office/drawing/2014/main" id="{2B677611-AC0C-4965-920A-ECD7631DF2A3}"/>
+              </a:ext>
+            </a:extLst>
+          </p:cNvPr>
+          <p:cNvSpPr>
+            <a:spLocks noGrp="1"/>
+          </p:cNvSpPr>
+          <p:nvPr>
+            <p:ph type="title"/>
+          </p:nvPr>
+        </p:nvSpPr>
+        <p:spPr>
+          <a:xfrm>
+            <a:off x="4618597" y="-2"/>
+            <a:ext cx="3352128" cy="1573863"/>
+          </a:xfrm>
+        </p:spPr>
+        <p:txBody>
+          <a:bodyPr vert="horz" lIns="91440" tIns="45720" rIns="91440" bIns="45720" rtlCol="0" anchor="ctr">
+            <a:normAutofit/>
           </a:bodyPr>
           <a:lstStyle/>
           <a:p>
             <a:r>
               <a:rPr lang="en-US" dirty="0"/>
-              <a:t>theme, coding approach, data munging techniques, and final visualization.</a:t>
+              <a:t>MOVIES!!!!</a:t>
             </a:r>
           </a:p>
         </p:txBody>
@@ -6284,7 +6577,7 @@
     </p:spTree>
     <p:extLst>
       <p:ext uri="{BB962C8B-B14F-4D97-AF65-F5344CB8AC3E}">
-        <p14:creationId xmlns:p14="http://schemas.microsoft.com/office/powerpoint/2010/main" val="760183875"/>
+        <p14:creationId xmlns:p14="http://schemas.microsoft.com/office/powerpoint/2010/main" val="1716108502"/>
       </p:ext>
     </p:extLst>
   </p:cSld>
@@ -6335,7 +6628,7 @@
       </p:grpSpPr>
       <p:pic>
         <p:nvPicPr>
-          <p:cNvPr id="23" name="Picture 2">
+          <p:cNvPr id="39" name="Picture 2">
             <a:extLst>
               <a:ext uri="{FF2B5EF4-FFF2-40B4-BE49-F238E27FC236}">
                 <a16:creationId xmlns:a16="http://schemas.microsoft.com/office/drawing/2014/main" id="{25496B42-CC46-4183-B481-887CD3E8C725}"/>
@@ -6392,7 +6685,7 @@
       </p:pic>
       <p:pic>
         <p:nvPicPr>
-          <p:cNvPr id="24" name="Picture 12">
+          <p:cNvPr id="41" name="Picture 40">
             <a:extLst>
               <a:ext uri="{FF2B5EF4-FFF2-40B4-BE49-F238E27FC236}">
                 <a16:creationId xmlns:a16="http://schemas.microsoft.com/office/drawing/2014/main" id="{765E2D7E-B7BD-404F-9F71-D6620D37B909}"/>
@@ -6437,7 +6730,7 @@
       </p:pic>
       <p:sp useBgFill="1">
         <p:nvSpPr>
-          <p:cNvPr id="25" name="Rectangle 14">
+          <p:cNvPr id="43" name="Rectangle 42">
             <a:extLst>
               <a:ext uri="{FF2B5EF4-FFF2-40B4-BE49-F238E27FC236}">
                 <a16:creationId xmlns:a16="http://schemas.microsoft.com/office/drawing/2014/main" id="{48FE65CB-EFD8-497D-A30A-093E20EACB05}"/>
@@ -6497,19 +6790,17 @@
       </p:sp>
       <p:pic>
         <p:nvPicPr>
-          <p:cNvPr id="6" name="Content Placeholder 5">
+          <p:cNvPr id="23" name="Content Placeholder 10">
             <a:extLst>
               <a:ext uri="{FF2B5EF4-FFF2-40B4-BE49-F238E27FC236}">
-                <a16:creationId xmlns:a16="http://schemas.microsoft.com/office/drawing/2014/main" id="{0B296951-9C91-454C-9552-106CD8F8BDC4}"/>
+                <a16:creationId xmlns:a16="http://schemas.microsoft.com/office/drawing/2014/main" id="{88EE6CBD-F724-4B16-898E-D9E519DBA5C2}"/>
               </a:ext>
             </a:extLst>
           </p:cNvPr>
           <p:cNvPicPr>
-            <a:picLocks noGrp="1" noChangeAspect="1"/>
+            <a:picLocks noChangeAspect="1"/>
           </p:cNvPicPr>
-          <p:nvPr>
-            <p:ph sz="quarter" idx="13"/>
-          </p:nvPr>
+          <p:nvPr/>
         </p:nvPicPr>
         <p:blipFill>
           <a:blip r:embed="rId4">
@@ -6517,6 +6808,9 @@
               <a:ext uri="{28A0092B-C50C-407E-A947-70E740481C1C}">
                 <a14:useLocalDpi xmlns:a14="http://schemas.microsoft.com/office/drawing/2010/main" val="0"/>
               </a:ext>
+              <a:ext uri="{837473B0-CC2E-450A-ABE3-18F120FF3D39}">
+                <a1611:picAttrSrcUrl xmlns:a1611="http://schemas.microsoft.com/office/drawing/2016/11/main" r:id="rId5"/>
+              </a:ext>
             </a:extLst>
           </a:blip>
           <a:stretch>
@@ -6525,8 +6819,8 @@
         </p:blipFill>
         <p:spPr>
           <a:xfrm>
-            <a:off x="643465" y="842404"/>
-            <a:ext cx="6909479" cy="5182109"/>
+            <a:off x="643465" y="1101510"/>
+            <a:ext cx="6909479" cy="4663898"/>
           </a:xfrm>
           <a:prstGeom prst="roundRect">
             <a:avLst>
@@ -6556,7 +6850,7 @@
       </p:pic>
       <p:pic>
         <p:nvPicPr>
-          <p:cNvPr id="26" name="Picture 16">
+          <p:cNvPr id="45" name="Picture 44">
             <a:extLst>
               <a:ext uri="{FF2B5EF4-FFF2-40B4-BE49-F238E27FC236}">
                 <a16:creationId xmlns:a16="http://schemas.microsoft.com/office/drawing/2014/main" id="{E3265C2A-0A58-43AD-A406-8F4478E28758}"/>
@@ -6604,7 +6898,7 @@
           <p:cNvPr id="2" name="Title 1">
             <a:extLst>
               <a:ext uri="{FF2B5EF4-FFF2-40B4-BE49-F238E27FC236}">
-                <a16:creationId xmlns:a16="http://schemas.microsoft.com/office/drawing/2014/main" id="{2B677611-AC0C-4965-920A-ECD7631DF2A3}"/>
+                <a16:creationId xmlns:a16="http://schemas.microsoft.com/office/drawing/2014/main" id="{3A187496-F716-469A-B204-2EC0B27AF7C2}"/>
               </a:ext>
             </a:extLst>
           </p:cNvPr>
@@ -6627,20 +6921,20 @@
           </a:bodyPr>
           <a:lstStyle/>
           <a:p>
-            <a:r>
-              <a:rPr lang="en-US" dirty="0" err="1"/>
-              <a:t>THeme</a:t>
-            </a:r>
-            <a:endParaRPr lang="en-US" dirty="0"/>
-          </a:p>
-        </p:txBody>
-      </p:sp>
-      <p:sp>
-        <p:nvSpPr>
-          <p:cNvPr id="4" name="Content Placeholder 3">
+            <a:pPr algn="l"/>
+            <a:r>
+              <a:rPr lang="en-US"/>
+              <a:t>Coding Approach</a:t>
+            </a:r>
+          </a:p>
+        </p:txBody>
+      </p:sp>
+      <p:sp>
+        <p:nvSpPr>
+          <p:cNvPr id="17" name="Content Placeholder 16">
             <a:extLst>
               <a:ext uri="{FF2B5EF4-FFF2-40B4-BE49-F238E27FC236}">
-                <a16:creationId xmlns:a16="http://schemas.microsoft.com/office/drawing/2014/main" id="{E5BE0A2A-4E39-41F1-8698-02D889373EA4}"/>
+                <a16:creationId xmlns:a16="http://schemas.microsoft.com/office/drawing/2014/main" id="{4D28A30D-5FEF-4B9F-8599-925E1DD39959}"/>
               </a:ext>
             </a:extLst>
           </p:cNvPr>
@@ -6663,6 +6957,51 @@
           </a:bodyPr>
           <a:lstStyle/>
           <a:p>
+            <a:r>
+              <a:rPr lang="en-US" sz="1800" dirty="0" err="1"/>
+              <a:t>LangUages</a:t>
+            </a:r>
+            <a:r>
+              <a:rPr lang="en-US" sz="1800" dirty="0"/>
+              <a:t>: Python (FLASK, PANDAS, </a:t>
+            </a:r>
+            <a:r>
+              <a:rPr lang="en-US" sz="1800" dirty="0" err="1"/>
+              <a:t>SQLalchemy</a:t>
+            </a:r>
+            <a:r>
+              <a:rPr lang="en-US" sz="1800" dirty="0"/>
+              <a:t> for ETL)</a:t>
+            </a:r>
+          </a:p>
+          <a:p>
+            <a:r>
+              <a:rPr lang="en-US" sz="1800" dirty="0"/>
+              <a:t>JAVASCRIPT (JQUERY, LeafLEt.js, D3.js)</a:t>
+            </a:r>
+          </a:p>
+          <a:p>
+            <a:r>
+              <a:rPr lang="en-US" sz="1800" dirty="0"/>
+              <a:t>HTML and CSS (Bootstrap)</a:t>
+            </a:r>
+          </a:p>
+          <a:p>
+            <a:pPr marL="0" indent="0">
+              <a:buNone/>
+            </a:pPr>
+            <a:endParaRPr lang="en-US" sz="1800" dirty="0"/>
+          </a:p>
+          <a:p>
+            <a:pPr marL="0" indent="0">
+              <a:buNone/>
+            </a:pPr>
+            <a:r>
+              <a:rPr lang="en-US" sz="1800" dirty="0"/>
+              <a:t>Divide and conquer coding approach</a:t>
+            </a:r>
+          </a:p>
+          <a:p>
             <a:endParaRPr lang="en-US" sz="1800" dirty="0"/>
           </a:p>
         </p:txBody>
@@ -6670,7 +7009,7 @@
     </p:spTree>
     <p:extLst>
       <p:ext uri="{BB962C8B-B14F-4D97-AF65-F5344CB8AC3E}">
-        <p14:creationId xmlns:p14="http://schemas.microsoft.com/office/powerpoint/2010/main" val="1716108502"/>
+        <p14:creationId xmlns:p14="http://schemas.microsoft.com/office/powerpoint/2010/main" val="3141810624"/>
       </p:ext>
     </p:extLst>
   </p:cSld>
@@ -6721,393 +7060,6 @@
       </p:grpSpPr>
       <p:pic>
         <p:nvPicPr>
-          <p:cNvPr id="39" name="Picture 2">
-            <a:extLst>
-              <a:ext uri="{FF2B5EF4-FFF2-40B4-BE49-F238E27FC236}">
-                <a16:creationId xmlns:a16="http://schemas.microsoft.com/office/drawing/2014/main" id="{25496B42-CC46-4183-B481-887CD3E8C725}"/>
-              </a:ext>
-              <a:ext uri="{C183D7F6-B498-43B3-948B-1728B52AA6E4}">
-                <adec:decorative xmlns:adec="http://schemas.microsoft.com/office/drawing/2017/decorative" val="1"/>
-              </a:ext>
-            </a:extLst>
-          </p:cNvPr>
-          <p:cNvPicPr>
-            <a:picLocks noGrp="1" noRot="1" noChangeAspect="1" noMove="1" noResize="1" noEditPoints="1" noAdjustHandles="1" noChangeArrowheads="1" noChangeShapeType="1" noCrop="1"/>
-          </p:cNvPicPr>
-          <p:nvPr>
-            <p:extLst>
-              <p:ext uri="{386F3935-93C4-4BCD-93E2-E3B085C9AB24}">
-                <p16:designElem xmlns:p16="http://schemas.microsoft.com/office/powerpoint/2015/main" val="1"/>
-              </p:ext>
-            </p:extLst>
-          </p:nvPr>
-        </p:nvPicPr>
-        <p:blipFill>
-          <a:blip r:embed="rId2">
-            <a:alphaModFix/>
-            <a:extLst>
-              <a:ext uri="{28A0092B-C50C-407E-A947-70E740481C1C}">
-                <a14:useLocalDpi xmlns:a14="http://schemas.microsoft.com/office/drawing/2010/main" val="0"/>
-              </a:ext>
-            </a:extLst>
-          </a:blip>
-          <a:srcRect/>
-          <a:stretch>
-            <a:fillRect/>
-          </a:stretch>
-        </p:blipFill>
-        <p:spPr bwMode="auto">
-          <a:xfrm>
-            <a:off x="0" y="-1"/>
-            <a:ext cx="12192003" cy="6858001"/>
-          </a:xfrm>
-          <a:prstGeom prst="rect">
-            <a:avLst/>
-          </a:prstGeom>
-          <a:noFill/>
-          <a:extLst>
-            <a:ext uri="{909E8E84-426E-40DD-AFC4-6F175D3DCCD1}">
-              <a14:hiddenFill xmlns:a14="http://schemas.microsoft.com/office/drawing/2010/main">
-                <a:solidFill>
-                  <a:srgbClr val="FFFFFF"/>
-                </a:solidFill>
-              </a14:hiddenFill>
-            </a:ext>
-          </a:extLst>
-        </p:spPr>
-      </p:pic>
-      <p:pic>
-        <p:nvPicPr>
-          <p:cNvPr id="41" name="Picture 40">
-            <a:extLst>
-              <a:ext uri="{FF2B5EF4-FFF2-40B4-BE49-F238E27FC236}">
-                <a16:creationId xmlns:a16="http://schemas.microsoft.com/office/drawing/2014/main" id="{765E2D7E-B7BD-404F-9F71-D6620D37B909}"/>
-              </a:ext>
-              <a:ext uri="{C183D7F6-B498-43B3-948B-1728B52AA6E4}">
-                <adec:decorative xmlns:adec="http://schemas.microsoft.com/office/drawing/2017/decorative" val="1"/>
-              </a:ext>
-            </a:extLst>
-          </p:cNvPr>
-          <p:cNvPicPr>
-            <a:picLocks noGrp="1" noRot="1" noChangeAspect="1" noMove="1" noResize="1" noEditPoints="1" noAdjustHandles="1" noChangeArrowheads="1" noChangeShapeType="1" noCrop="1"/>
-          </p:cNvPicPr>
-          <p:nvPr>
-            <p:extLst>
-              <p:ext uri="{386F3935-93C4-4BCD-93E2-E3B085C9AB24}">
-                <p16:designElem xmlns:p16="http://schemas.microsoft.com/office/powerpoint/2015/main" val="1"/>
-              </p:ext>
-            </p:extLst>
-          </p:nvPr>
-        </p:nvPicPr>
-        <p:blipFill>
-          <a:blip r:embed="rId3">
-            <a:extLst>
-              <a:ext uri="{28A0092B-C50C-407E-A947-70E740481C1C}">
-                <a14:useLocalDpi xmlns:a14="http://schemas.microsoft.com/office/drawing/2010/main" val="0"/>
-              </a:ext>
-            </a:extLst>
-          </a:blip>
-          <a:stretch>
-            <a:fillRect/>
-          </a:stretch>
-        </p:blipFill>
-        <p:spPr>
-          <a:xfrm>
-            <a:off x="0" y="0"/>
-            <a:ext cx="12192000" cy="6858000"/>
-          </a:xfrm>
-          <a:prstGeom prst="rect">
-            <a:avLst/>
-          </a:prstGeom>
-        </p:spPr>
-      </p:pic>
-      <p:sp useBgFill="1">
-        <p:nvSpPr>
-          <p:cNvPr id="43" name="Rectangle 42">
-            <a:extLst>
-              <a:ext uri="{FF2B5EF4-FFF2-40B4-BE49-F238E27FC236}">
-                <a16:creationId xmlns:a16="http://schemas.microsoft.com/office/drawing/2014/main" id="{48FE65CB-EFD8-497D-A30A-093E20EACB05}"/>
-              </a:ext>
-              <a:ext uri="{C183D7F6-B498-43B3-948B-1728B52AA6E4}">
-                <adec:decorative xmlns:adec="http://schemas.microsoft.com/office/drawing/2017/decorative" val="1"/>
-              </a:ext>
-            </a:extLst>
-          </p:cNvPr>
-          <p:cNvSpPr>
-            <a:spLocks noGrp="1" noRot="1" noChangeAspect="1" noMove="1" noResize="1" noEditPoints="1" noAdjustHandles="1" noChangeArrowheads="1" noChangeShapeType="1" noTextEdit="1"/>
-          </p:cNvSpPr>
-          <p:nvPr>
-            <p:extLst>
-              <p:ext uri="{386F3935-93C4-4BCD-93E2-E3B085C9AB24}">
-                <p16:designElem xmlns:p16="http://schemas.microsoft.com/office/powerpoint/2015/main" val="1"/>
-              </p:ext>
-            </p:extLst>
-          </p:nvPr>
-        </p:nvSpPr>
-        <p:spPr>
-          <a:xfrm>
-            <a:off x="0" y="0"/>
-            <a:ext cx="12192000" cy="6858000"/>
-          </a:xfrm>
-          <a:prstGeom prst="rect">
-            <a:avLst/>
-          </a:prstGeom>
-          <a:ln>
-            <a:noFill/>
-          </a:ln>
-        </p:spPr>
-        <p:style>
-          <a:lnRef idx="2">
-            <a:schemeClr val="accent1">
-              <a:shade val="50000"/>
-            </a:schemeClr>
-          </a:lnRef>
-          <a:fillRef idx="1">
-            <a:schemeClr val="accent1"/>
-          </a:fillRef>
-          <a:effectRef idx="0">
-            <a:schemeClr val="accent1"/>
-          </a:effectRef>
-          <a:fontRef idx="minor">
-            <a:schemeClr val="lt1"/>
-          </a:fontRef>
-        </p:style>
-        <p:txBody>
-          <a:bodyPr rtlCol="0" anchor="ctr"/>
-          <a:lstStyle/>
-          <a:p>
-            <a:pPr algn="ctr"/>
-            <a:endParaRPr lang="en-US"/>
-          </a:p>
-        </p:txBody>
-      </p:sp>
-      <p:pic>
-        <p:nvPicPr>
-          <p:cNvPr id="23" name="Content Placeholder 10">
-            <a:extLst>
-              <a:ext uri="{FF2B5EF4-FFF2-40B4-BE49-F238E27FC236}">
-                <a16:creationId xmlns:a16="http://schemas.microsoft.com/office/drawing/2014/main" id="{88EE6CBD-F724-4B16-898E-D9E519DBA5C2}"/>
-              </a:ext>
-            </a:extLst>
-          </p:cNvPr>
-          <p:cNvPicPr>
-            <a:picLocks noChangeAspect="1"/>
-          </p:cNvPicPr>
-          <p:nvPr/>
-        </p:nvPicPr>
-        <p:blipFill>
-          <a:blip r:embed="rId4">
-            <a:extLst>
-              <a:ext uri="{28A0092B-C50C-407E-A947-70E740481C1C}">
-                <a14:useLocalDpi xmlns:a14="http://schemas.microsoft.com/office/drawing/2010/main" val="0"/>
-              </a:ext>
-              <a:ext uri="{837473B0-CC2E-450A-ABE3-18F120FF3D39}">
-                <a1611:picAttrSrcUrl xmlns:a1611="http://schemas.microsoft.com/office/drawing/2016/11/main" r:id="rId5"/>
-              </a:ext>
-            </a:extLst>
-          </a:blip>
-          <a:stretch>
-            <a:fillRect/>
-          </a:stretch>
-        </p:blipFill>
-        <p:spPr>
-          <a:xfrm>
-            <a:off x="643465" y="1101510"/>
-            <a:ext cx="6909479" cy="4663898"/>
-          </a:xfrm>
-          <a:prstGeom prst="roundRect">
-            <a:avLst>
-              <a:gd name="adj" fmla="val 2981"/>
-            </a:avLst>
-          </a:prstGeom>
-          <a:ln w="82550" cap="sq">
-            <a:solidFill>
-              <a:srgbClr val="EAEAEA"/>
-            </a:solidFill>
-            <a:miter lim="800000"/>
-          </a:ln>
-          <a:effectLst/>
-          <a:scene3d>
-            <a:camera prst="orthographicFront"/>
-            <a:lightRig rig="threePt" dir="t">
-              <a:rot lat="0" lon="0" rev="2700000"/>
-            </a:lightRig>
-          </a:scene3d>
-          <a:sp3d contourW="6350">
-            <a:bevelT h="38100"/>
-            <a:contourClr>
-              <a:srgbClr val="C0C0C0"/>
-            </a:contourClr>
-          </a:sp3d>
-        </p:spPr>
-      </p:pic>
-      <p:pic>
-        <p:nvPicPr>
-          <p:cNvPr id="45" name="Picture 44">
-            <a:extLst>
-              <a:ext uri="{FF2B5EF4-FFF2-40B4-BE49-F238E27FC236}">
-                <a16:creationId xmlns:a16="http://schemas.microsoft.com/office/drawing/2014/main" id="{E3265C2A-0A58-43AD-A406-8F4478E28758}"/>
-              </a:ext>
-              <a:ext uri="{C183D7F6-B498-43B3-948B-1728B52AA6E4}">
-                <adec:decorative xmlns:adec="http://schemas.microsoft.com/office/drawing/2017/decorative" val="1"/>
-              </a:ext>
-            </a:extLst>
-          </p:cNvPr>
-          <p:cNvPicPr>
-            <a:picLocks noGrp="1" noRot="1" noChangeAspect="1" noMove="1" noResize="1" noEditPoints="1" noAdjustHandles="1" noChangeArrowheads="1" noChangeShapeType="1" noCrop="1"/>
-          </p:cNvPicPr>
-          <p:nvPr>
-            <p:extLst>
-              <p:ext uri="{386F3935-93C4-4BCD-93E2-E3B085C9AB24}">
-                <p16:designElem xmlns:p16="http://schemas.microsoft.com/office/powerpoint/2015/main" val="1"/>
-              </p:ext>
-            </p:extLst>
-          </p:nvPr>
-        </p:nvPicPr>
-        <p:blipFill>
-          <a:blip r:embed="rId3">
-            <a:extLst>
-              <a:ext uri="{28A0092B-C50C-407E-A947-70E740481C1C}">
-                <a14:useLocalDpi xmlns:a14="http://schemas.microsoft.com/office/drawing/2010/main" val="0"/>
-              </a:ext>
-            </a:extLst>
-          </a:blip>
-          <a:stretch>
-            <a:fillRect/>
-          </a:stretch>
-        </p:blipFill>
-        <p:spPr>
-          <a:xfrm>
-            <a:off x="0" y="0"/>
-            <a:ext cx="12192000" cy="6858000"/>
-          </a:xfrm>
-          <a:prstGeom prst="rect">
-            <a:avLst/>
-          </a:prstGeom>
-        </p:spPr>
-      </p:pic>
-      <p:sp>
-        <p:nvSpPr>
-          <p:cNvPr id="2" name="Title 1">
-            <a:extLst>
-              <a:ext uri="{FF2B5EF4-FFF2-40B4-BE49-F238E27FC236}">
-                <a16:creationId xmlns:a16="http://schemas.microsoft.com/office/drawing/2014/main" id="{3A187496-F716-469A-B204-2EC0B27AF7C2}"/>
-              </a:ext>
-            </a:extLst>
-          </p:cNvPr>
-          <p:cNvSpPr>
-            <a:spLocks noGrp="1"/>
-          </p:cNvSpPr>
-          <p:nvPr>
-            <p:ph type="title"/>
-          </p:nvPr>
-        </p:nvSpPr>
-        <p:spPr>
-          <a:xfrm>
-            <a:off x="8196408" y="640831"/>
-            <a:ext cx="3352128" cy="1573863"/>
-          </a:xfrm>
-        </p:spPr>
-        <p:txBody>
-          <a:bodyPr vert="horz" lIns="91440" tIns="45720" rIns="91440" bIns="45720" rtlCol="0" anchor="ctr">
-            <a:normAutofit/>
-          </a:bodyPr>
-          <a:lstStyle/>
-          <a:p>
-            <a:pPr algn="l"/>
-            <a:r>
-              <a:rPr lang="en-US"/>
-              <a:t>Coding Approach</a:t>
-            </a:r>
-          </a:p>
-        </p:txBody>
-      </p:sp>
-      <p:sp>
-        <p:nvSpPr>
-          <p:cNvPr id="17" name="Content Placeholder 16">
-            <a:extLst>
-              <a:ext uri="{FF2B5EF4-FFF2-40B4-BE49-F238E27FC236}">
-                <a16:creationId xmlns:a16="http://schemas.microsoft.com/office/drawing/2014/main" id="{4D28A30D-5FEF-4B9F-8599-925E1DD39959}"/>
-              </a:ext>
-            </a:extLst>
-          </p:cNvPr>
-          <p:cNvSpPr>
-            <a:spLocks noGrp="1"/>
-          </p:cNvSpPr>
-          <p:nvPr>
-            <p:ph sz="quarter" idx="14"/>
-          </p:nvPr>
-        </p:nvSpPr>
-        <p:spPr>
-          <a:xfrm>
-            <a:off x="8196408" y="2367092"/>
-            <a:ext cx="3352128" cy="3881309"/>
-          </a:xfrm>
-        </p:spPr>
-        <p:txBody>
-          <a:bodyPr vert="horz" lIns="91440" tIns="45720" rIns="91440" bIns="45720" rtlCol="0">
-            <a:normAutofit/>
-          </a:bodyPr>
-          <a:lstStyle/>
-          <a:p>
-            <a:endParaRPr lang="en-US" sz="1800" dirty="0"/>
-          </a:p>
-        </p:txBody>
-      </p:sp>
-    </p:spTree>
-    <p:extLst>
-      <p:ext uri="{BB962C8B-B14F-4D97-AF65-F5344CB8AC3E}">
-        <p14:creationId xmlns:p14="http://schemas.microsoft.com/office/powerpoint/2010/main" val="3141810624"/>
-      </p:ext>
-    </p:extLst>
-  </p:cSld>
-  <p:clrMapOvr>
-    <a:masterClrMapping/>
-  </p:clrMapOvr>
-</p:sld>
-</file>
-
-<file path=ppt/slides/slide5.xml><?xml version="1.0" encoding="utf-8"?>
-<p:sld xmlns:a="http://schemas.openxmlformats.org/drawingml/2006/main" xmlns:r="http://schemas.openxmlformats.org/officeDocument/2006/relationships" xmlns:p="http://schemas.openxmlformats.org/presentationml/2006/main">
-  <p:cSld>
-    <p:bg>
-      <p:bgPr>
-        <a:gradFill rotWithShape="1">
-          <a:gsLst>
-            <a:gs pos="0">
-              <a:schemeClr val="bg1">
-                <a:tint val="90000"/>
-                <a:lumMod val="110000"/>
-              </a:schemeClr>
-            </a:gs>
-            <a:gs pos="100000">
-              <a:schemeClr val="bg1">
-                <a:shade val="64000"/>
-                <a:lumMod val="88000"/>
-              </a:schemeClr>
-            </a:gs>
-          </a:gsLst>
-          <a:lin ang="5400000" scaled="0"/>
-        </a:gradFill>
-        <a:effectLst/>
-      </p:bgPr>
-    </p:bg>
-    <p:spTree>
-      <p:nvGrpSpPr>
-        <p:cNvPr id="1" name=""/>
-        <p:cNvGrpSpPr/>
-        <p:nvPr/>
-      </p:nvGrpSpPr>
-      <p:grpSpPr>
-        <a:xfrm>
-          <a:off x="0" y="0"/>
-          <a:ext cx="0" cy="0"/>
-          <a:chOff x="0" y="0"/>
-          <a:chExt cx="0" cy="0"/>
-        </a:xfrm>
-      </p:grpSpPr>
-      <p:pic>
-        <p:nvPicPr>
           <p:cNvPr id="12" name="Picture 2">
             <a:extLst>
               <a:ext uri="{FF2B5EF4-FFF2-40B4-BE49-F238E27FC236}">
@@ -7393,8 +7345,8 @@
         </p:nvSpPr>
         <p:spPr>
           <a:xfrm>
-            <a:off x="913776" y="34976"/>
-            <a:ext cx="3893976" cy="1596177"/>
+            <a:off x="913776" y="257519"/>
+            <a:ext cx="3893976" cy="798088"/>
           </a:xfrm>
         </p:spPr>
         <p:txBody>
@@ -7428,8 +7380,8 @@
         </p:nvSpPr>
         <p:spPr>
           <a:xfrm>
-            <a:off x="913774" y="2367092"/>
-            <a:ext cx="3893978" cy="3424107"/>
+            <a:off x="859372" y="1313126"/>
+            <a:ext cx="4002783" cy="4734669"/>
           </a:xfrm>
         </p:spPr>
         <p:txBody>
@@ -7437,6 +7389,78 @@
             <a:normAutofit/>
           </a:bodyPr>
           <a:lstStyle/>
+          <a:p>
+            <a:r>
+              <a:rPr lang="en-US" sz="1600" dirty="0"/>
+              <a:t>Kaggle Dataset IMDB 5000 Movies</a:t>
+            </a:r>
+          </a:p>
+          <a:p>
+            <a:r>
+              <a:rPr lang="en-US" sz="1600" dirty="0"/>
+              <a:t>Read CSV into Pandas </a:t>
+            </a:r>
+            <a:r>
+              <a:rPr lang="en-US" sz="1600" dirty="0" err="1"/>
+              <a:t>DataFrame</a:t>
+            </a:r>
+            <a:endParaRPr lang="en-US" sz="1600" dirty="0"/>
+          </a:p>
+          <a:p>
+            <a:r>
+              <a:rPr lang="en-US" sz="1600" dirty="0"/>
+              <a:t>Data Exploration</a:t>
+            </a:r>
+          </a:p>
+          <a:p>
+            <a:r>
+              <a:rPr lang="en-US" sz="1600" dirty="0"/>
+              <a:t>REMOVE Nulls</a:t>
+            </a:r>
+          </a:p>
+          <a:p>
+            <a:r>
+              <a:rPr lang="en-US" sz="1600" dirty="0"/>
+              <a:t>Reduce Variables to ONLY WHAT WE NEED</a:t>
+            </a:r>
+          </a:p>
+          <a:p>
+            <a:r>
+              <a:rPr lang="en-US" sz="1600" dirty="0"/>
+              <a:t>Create SQLLITE Database with SQLALCHEMY</a:t>
+            </a:r>
+          </a:p>
+          <a:p>
+            <a:r>
+              <a:rPr lang="en-US" sz="1600" dirty="0"/>
+              <a:t>USE .</a:t>
+            </a:r>
+            <a:r>
+              <a:rPr lang="en-US" sz="1600" dirty="0" err="1"/>
+              <a:t>to_SQL</a:t>
+            </a:r>
+            <a:r>
+              <a:rPr lang="en-US" sz="1600" dirty="0"/>
+              <a:t>() to upload Data  to SQULLITE Database</a:t>
+            </a:r>
+          </a:p>
+          <a:p>
+            <a:r>
+              <a:rPr lang="en-US" sz="1600" dirty="0"/>
+              <a:t>FLASK App AS Server and Restful API to return </a:t>
+            </a:r>
+            <a:r>
+              <a:rPr lang="en-US" sz="1600" dirty="0" err="1"/>
+              <a:t>JSONified</a:t>
+            </a:r>
+            <a:r>
+              <a:rPr lang="en-US" sz="1600" dirty="0"/>
+              <a:t> data</a:t>
+            </a:r>
+          </a:p>
+          <a:p>
+            <a:endParaRPr lang="en-US" sz="1600" dirty="0"/>
+          </a:p>
           <a:p>
             <a:endParaRPr lang="en-US" sz="1600" dirty="0"/>
           </a:p>
@@ -7536,7 +7560,7 @@
 </p:sld>
 </file>
 
-<file path=ppt/slides/slide6.xml><?xml version="1.0" encoding="utf-8"?>
+<file path=ppt/slides/slide5.xml><?xml version="1.0" encoding="utf-8"?>
 <p:sld xmlns:a="http://schemas.openxmlformats.org/drawingml/2006/main" xmlns:r="http://schemas.openxmlformats.org/officeDocument/2006/relationships" xmlns:p="http://schemas.openxmlformats.org/presentationml/2006/main">
   <p:cSld>
     <p:bg>

--- a/IMDB 5000 Movies.pptx
+++ b/IMDB 5000 Movies.pptx
@@ -287,7 +287,7 @@
           <a:p>
             <a:fld id="{027580CD-1FA1-4B64-BABA-A4C06EF23250}" type="datetimeFigureOut">
               <a:rPr lang="en-US" smtClean="0"/>
-              <a:t>12/8/2018</a:t>
+              <a:t>12/11/2018</a:t>
             </a:fld>
             <a:endParaRPr lang="en-US"/>
           </a:p>
@@ -599,7 +599,7 @@
           <a:p>
             <a:fld id="{027580CD-1FA1-4B64-BABA-A4C06EF23250}" type="datetimeFigureOut">
               <a:rPr lang="en-US" smtClean="0"/>
-              <a:t>12/8/2018</a:t>
+              <a:t>12/11/2018</a:t>
             </a:fld>
             <a:endParaRPr lang="en-US"/>
           </a:p>
@@ -821,7 +821,7 @@
           <a:p>
             <a:fld id="{027580CD-1FA1-4B64-BABA-A4C06EF23250}" type="datetimeFigureOut">
               <a:rPr lang="en-US" smtClean="0"/>
-              <a:t>12/8/2018</a:t>
+              <a:t>12/11/2018</a:t>
             </a:fld>
             <a:endParaRPr lang="en-US"/>
           </a:p>
@@ -1112,7 +1112,7 @@
           <a:p>
             <a:fld id="{027580CD-1FA1-4B64-BABA-A4C06EF23250}" type="datetimeFigureOut">
               <a:rPr lang="en-US" smtClean="0"/>
-              <a:t>12/8/2018</a:t>
+              <a:t>12/11/2018</a:t>
             </a:fld>
             <a:endParaRPr lang="en-US"/>
           </a:p>
@@ -1566,7 +1566,7 @@
           <a:p>
             <a:fld id="{027580CD-1FA1-4B64-BABA-A4C06EF23250}" type="datetimeFigureOut">
               <a:rPr lang="en-US" smtClean="0"/>
-              <a:t>12/8/2018</a:t>
+              <a:t>12/11/2018</a:t>
             </a:fld>
             <a:endParaRPr lang="en-US"/>
           </a:p>
@@ -2142,7 +2142,7 @@
           <a:p>
             <a:fld id="{027580CD-1FA1-4B64-BABA-A4C06EF23250}" type="datetimeFigureOut">
               <a:rPr lang="en-US" smtClean="0"/>
-              <a:t>12/8/2018</a:t>
+              <a:t>12/11/2018</a:t>
             </a:fld>
             <a:endParaRPr lang="en-US"/>
           </a:p>
@@ -2994,7 +2994,7 @@
           <a:p>
             <a:fld id="{027580CD-1FA1-4B64-BABA-A4C06EF23250}" type="datetimeFigureOut">
               <a:rPr lang="en-US" smtClean="0"/>
-              <a:t>12/8/2018</a:t>
+              <a:t>12/11/2018</a:t>
             </a:fld>
             <a:endParaRPr lang="en-US"/>
           </a:p>
@@ -3199,7 +3199,7 @@
           <a:p>
             <a:fld id="{027580CD-1FA1-4B64-BABA-A4C06EF23250}" type="datetimeFigureOut">
               <a:rPr lang="en-US" smtClean="0"/>
-              <a:t>12/8/2018</a:t>
+              <a:t>12/11/2018</a:t>
             </a:fld>
             <a:endParaRPr lang="en-US"/>
           </a:p>
@@ -3413,7 +3413,7 @@
           <a:p>
             <a:fld id="{027580CD-1FA1-4B64-BABA-A4C06EF23250}" type="datetimeFigureOut">
               <a:rPr lang="en-US" smtClean="0"/>
-              <a:t>12/8/2018</a:t>
+              <a:t>12/11/2018</a:t>
             </a:fld>
             <a:endParaRPr lang="en-US"/>
           </a:p>
@@ -3618,7 +3618,7 @@
           <a:p>
             <a:fld id="{027580CD-1FA1-4B64-BABA-A4C06EF23250}" type="datetimeFigureOut">
               <a:rPr lang="en-US" smtClean="0"/>
-              <a:t>12/8/2018</a:t>
+              <a:t>12/11/2018</a:t>
             </a:fld>
             <a:endParaRPr lang="en-US"/>
           </a:p>
@@ -3898,7 +3898,7 @@
           <a:p>
             <a:fld id="{027580CD-1FA1-4B64-BABA-A4C06EF23250}" type="datetimeFigureOut">
               <a:rPr lang="en-US" smtClean="0"/>
-              <a:t>12/8/2018</a:t>
+              <a:t>12/11/2018</a:t>
             </a:fld>
             <a:endParaRPr lang="en-US"/>
           </a:p>
@@ -4165,7 +4165,7 @@
           <a:p>
             <a:fld id="{027580CD-1FA1-4B64-BABA-A4C06EF23250}" type="datetimeFigureOut">
               <a:rPr lang="en-US" smtClean="0"/>
-              <a:t>12/8/2018</a:t>
+              <a:t>12/11/2018</a:t>
             </a:fld>
             <a:endParaRPr lang="en-US"/>
           </a:p>
@@ -4580,7 +4580,7 @@
           <a:p>
             <a:fld id="{027580CD-1FA1-4B64-BABA-A4C06EF23250}" type="datetimeFigureOut">
               <a:rPr lang="en-US" smtClean="0"/>
-              <a:t>12/8/2018</a:t>
+              <a:t>12/11/2018</a:t>
             </a:fld>
             <a:endParaRPr lang="en-US"/>
           </a:p>
@@ -4728,7 +4728,7 @@
           <a:p>
             <a:fld id="{027580CD-1FA1-4B64-BABA-A4C06EF23250}" type="datetimeFigureOut">
               <a:rPr lang="en-US" smtClean="0"/>
-              <a:t>12/8/2018</a:t>
+              <a:t>12/11/2018</a:t>
             </a:fld>
             <a:endParaRPr lang="en-US"/>
           </a:p>
@@ -4853,7 +4853,7 @@
           <a:p>
             <a:fld id="{027580CD-1FA1-4B64-BABA-A4C06EF23250}" type="datetimeFigureOut">
               <a:rPr lang="en-US" smtClean="0"/>
-              <a:t>12/8/2018</a:t>
+              <a:t>12/11/2018</a:t>
             </a:fld>
             <a:endParaRPr lang="en-US"/>
           </a:p>
@@ -5132,7 +5132,7 @@
           <a:p>
             <a:fld id="{027580CD-1FA1-4B64-BABA-A4C06EF23250}" type="datetimeFigureOut">
               <a:rPr lang="en-US" smtClean="0"/>
-              <a:t>12/8/2018</a:t>
+              <a:t>12/11/2018</a:t>
             </a:fld>
             <a:endParaRPr lang="en-US"/>
           </a:p>
@@ -5444,7 +5444,7 @@
           <a:p>
             <a:fld id="{027580CD-1FA1-4B64-BABA-A4C06EF23250}" type="datetimeFigureOut">
               <a:rPr lang="en-US" smtClean="0"/>
-              <a:t>12/8/2018</a:t>
+              <a:t>12/11/2018</a:t>
             </a:fld>
             <a:endParaRPr lang="en-US"/>
           </a:p>
@@ -5697,7 +5697,7 @@
           <a:p>
             <a:fld id="{027580CD-1FA1-4B64-BABA-A4C06EF23250}" type="datetimeFigureOut">
               <a:rPr lang="en-US" smtClean="0"/>
-              <a:t>12/8/2018</a:t>
+              <a:t>12/11/2018</a:t>
             </a:fld>
             <a:endParaRPr lang="en-US"/>
           </a:p>
@@ -6977,7 +6977,15 @@
           <a:p>
             <a:r>
               <a:rPr lang="en-US" sz="1800" dirty="0"/>
-              <a:t>JAVASCRIPT (JQUERY, LeafLEt.js, D3.js)</a:t>
+              <a:t>JAVASCRIPT (</a:t>
+            </a:r>
+            <a:r>
+              <a:rPr lang="en-US" sz="1800" b="1" dirty="0"/>
+              <a:t>JQUERY</a:t>
+            </a:r>
+            <a:r>
+              <a:rPr lang="en-US" sz="1800" dirty="0"/>
+              <a:t>, LeafLEt.js, D3.js)</a:t>
             </a:r>
           </a:p>
           <a:p>
@@ -7415,13 +7423,13 @@
           <a:p>
             <a:r>
               <a:rPr lang="en-US" sz="1600" dirty="0"/>
-              <a:t>REMOVE Nulls</a:t>
+              <a:t>Reduce Variables to ONLY WHAT WE NEED</a:t>
             </a:r>
           </a:p>
           <a:p>
             <a:r>
               <a:rPr lang="en-US" sz="1600" dirty="0"/>
-              <a:t>Reduce Variables to ONLY WHAT WE NEED</a:t>
+              <a:t>REMOVE Nulls (NAN)</a:t>
             </a:r>
           </a:p>
           <a:p>
